--- a/RessourcesAnnexes/BBQ.pptx
+++ b/RessourcesAnnexes/BBQ.pptx
@@ -222,7 +222,7 @@
           <a:p>
             <a:fld id="{495FBB65-3CF8-4396-B531-2186A115FCBE}" type="datetimeFigureOut">
               <a:rPr lang="fr-FR" smtClean="0"/>
-              <a:t>22/06/2023</a:t>
+              <a:t>13/07/2023</a:t>
             </a:fld>
             <a:endParaRPr lang="fr-FR"/>
           </a:p>
@@ -2232,7 +2232,7 @@
           <a:p>
             <a:fld id="{01F1A230-F3DD-4E64-8206-30C60EF91C56}" type="datetimeFigureOut">
               <a:rPr lang="fr-FR" smtClean="0"/>
-              <a:t>22/06/2023</a:t>
+              <a:t>13/07/2023</a:t>
             </a:fld>
             <a:endParaRPr lang="fr-FR"/>
           </a:p>
@@ -2430,7 +2430,7 @@
           <a:p>
             <a:fld id="{01F1A230-F3DD-4E64-8206-30C60EF91C56}" type="datetimeFigureOut">
               <a:rPr lang="fr-FR" smtClean="0"/>
-              <a:t>22/06/2023</a:t>
+              <a:t>13/07/2023</a:t>
             </a:fld>
             <a:endParaRPr lang="fr-FR"/>
           </a:p>
@@ -2638,7 +2638,7 @@
           <a:p>
             <a:fld id="{01F1A230-F3DD-4E64-8206-30C60EF91C56}" type="datetimeFigureOut">
               <a:rPr lang="fr-FR" smtClean="0"/>
-              <a:t>22/06/2023</a:t>
+              <a:t>13/07/2023</a:t>
             </a:fld>
             <a:endParaRPr lang="fr-FR"/>
           </a:p>
@@ -2836,7 +2836,7 @@
           <a:p>
             <a:fld id="{01F1A230-F3DD-4E64-8206-30C60EF91C56}" type="datetimeFigureOut">
               <a:rPr lang="fr-FR" smtClean="0"/>
-              <a:t>22/06/2023</a:t>
+              <a:t>13/07/2023</a:t>
             </a:fld>
             <a:endParaRPr lang="fr-FR"/>
           </a:p>
@@ -3111,7 +3111,7 @@
           <a:p>
             <a:fld id="{01F1A230-F3DD-4E64-8206-30C60EF91C56}" type="datetimeFigureOut">
               <a:rPr lang="fr-FR" smtClean="0"/>
-              <a:t>22/06/2023</a:t>
+              <a:t>13/07/2023</a:t>
             </a:fld>
             <a:endParaRPr lang="fr-FR"/>
           </a:p>
@@ -3376,7 +3376,7 @@
           <a:p>
             <a:fld id="{01F1A230-F3DD-4E64-8206-30C60EF91C56}" type="datetimeFigureOut">
               <a:rPr lang="fr-FR" smtClean="0"/>
-              <a:t>22/06/2023</a:t>
+              <a:t>13/07/2023</a:t>
             </a:fld>
             <a:endParaRPr lang="fr-FR"/>
           </a:p>
@@ -3788,7 +3788,7 @@
           <a:p>
             <a:fld id="{01F1A230-F3DD-4E64-8206-30C60EF91C56}" type="datetimeFigureOut">
               <a:rPr lang="fr-FR" smtClean="0"/>
-              <a:t>22/06/2023</a:t>
+              <a:t>13/07/2023</a:t>
             </a:fld>
             <a:endParaRPr lang="fr-FR"/>
           </a:p>
@@ -3929,7 +3929,7 @@
           <a:p>
             <a:fld id="{01F1A230-F3DD-4E64-8206-30C60EF91C56}" type="datetimeFigureOut">
               <a:rPr lang="fr-FR" smtClean="0"/>
-              <a:t>22/06/2023</a:t>
+              <a:t>13/07/2023</a:t>
             </a:fld>
             <a:endParaRPr lang="fr-FR"/>
           </a:p>
@@ -4042,7 +4042,7 @@
           <a:p>
             <a:fld id="{01F1A230-F3DD-4E64-8206-30C60EF91C56}" type="datetimeFigureOut">
               <a:rPr lang="fr-FR" smtClean="0"/>
-              <a:t>22/06/2023</a:t>
+              <a:t>13/07/2023</a:t>
             </a:fld>
             <a:endParaRPr lang="fr-FR"/>
           </a:p>
@@ -4353,7 +4353,7 @@
           <a:p>
             <a:fld id="{01F1A230-F3DD-4E64-8206-30C60EF91C56}" type="datetimeFigureOut">
               <a:rPr lang="fr-FR" smtClean="0"/>
-              <a:t>22/06/2023</a:t>
+              <a:t>13/07/2023</a:t>
             </a:fld>
             <a:endParaRPr lang="fr-FR"/>
           </a:p>
@@ -4641,7 +4641,7 @@
           <a:p>
             <a:fld id="{01F1A230-F3DD-4E64-8206-30C60EF91C56}" type="datetimeFigureOut">
               <a:rPr lang="fr-FR" smtClean="0"/>
-              <a:t>22/06/2023</a:t>
+              <a:t>13/07/2023</a:t>
             </a:fld>
             <a:endParaRPr lang="fr-FR"/>
           </a:p>
@@ -4882,7 +4882,7 @@
           <a:p>
             <a:fld id="{01F1A230-F3DD-4E64-8206-30C60EF91C56}" type="datetimeFigureOut">
               <a:rPr lang="fr-FR" smtClean="0"/>
-              <a:t>22/06/2023</a:t>
+              <a:t>13/07/2023</a:t>
             </a:fld>
             <a:endParaRPr lang="fr-FR"/>
           </a:p>
